--- a/_SLIDES/2020/H1-Eerste Stappen/H1_5_Fouten in je code.pptx
+++ b/_SLIDES/2020/H1-Eerste Stappen/H1_5_Fouten in je code.pptx
@@ -247,7 +247,7 @@
           <a:p>
             <a:fld id="{85EE1F57-E73E-475C-872F-886F27274373}" type="datetimeFigureOut">
               <a:rPr lang="nl-BE" smtClean="0"/>
-              <a:t>7/09/2020</a:t>
+              <a:t>10/09/2020</a:t>
             </a:fld>
             <a:endParaRPr lang="nl-BE"/>
           </a:p>
@@ -412,7 +412,7 @@
           <a:p>
             <a:fld id="{E0BBF532-A5DD-4E27-82A5-D972027CDA5D}" type="datetimeFigureOut">
               <a:rPr lang="nl-BE" smtClean="0"/>
-              <a:t>7/09/2020</a:t>
+              <a:t>10/09/2020</a:t>
             </a:fld>
             <a:endParaRPr lang="nl-BE"/>
           </a:p>
@@ -1024,7 +1024,7 @@
           <a:p>
             <a:fld id="{19D05995-AAD3-4A76-9E9D-87C6D135A410}" type="datetime1">
               <a:rPr lang="nl-BE" smtClean="0"/>
-              <a:t>7/09/2020</a:t>
+              <a:t>10/09/2020</a:t>
             </a:fld>
             <a:endParaRPr lang="nl-BE" dirty="0"/>
           </a:p>
@@ -1321,7 +1321,7 @@
           <a:p>
             <a:fld id="{6A28F569-EE91-473C-AE9D-72EA90657BAE}" type="datetime1">
               <a:rPr lang="nl-BE" smtClean="0"/>
-              <a:t>7/09/2020</a:t>
+              <a:t>10/09/2020</a:t>
             </a:fld>
             <a:endParaRPr lang="nl-BE"/>
           </a:p>
@@ -1534,7 +1534,7 @@
           <a:p>
             <a:fld id="{5484577F-A5D8-4F4E-92DE-F273CD5CCBAE}" type="datetime1">
               <a:rPr lang="nl-BE" smtClean="0"/>
-              <a:t>7/09/2020</a:t>
+              <a:t>10/09/2020</a:t>
             </a:fld>
             <a:endParaRPr lang="nl-BE"/>
           </a:p>
@@ -1767,7 +1767,7 @@
           <a:p>
             <a:fld id="{D9BAE87D-A192-462F-A521-06B488E34A38}" type="datetime1">
               <a:rPr lang="nl-BE" smtClean="0"/>
-              <a:t>7/09/2020</a:t>
+              <a:t>10/09/2020</a:t>
             </a:fld>
             <a:endParaRPr lang="nl-BE"/>
           </a:p>
@@ -2047,7 +2047,7 @@
           <a:p>
             <a:fld id="{DE113FE0-377E-405E-A995-BBB70FFB857F}" type="datetime1">
               <a:rPr lang="nl-BE" smtClean="0"/>
-              <a:t>7/09/2020</a:t>
+              <a:t>10/09/2020</a:t>
             </a:fld>
             <a:endParaRPr lang="nl-BE"/>
           </a:p>
@@ -2318,7 +2318,7 @@
           <a:p>
             <a:fld id="{2260288B-2E6F-4268-982B-641C23796678}" type="datetime1">
               <a:rPr lang="nl-BE" smtClean="0"/>
-              <a:t>7/09/2020</a:t>
+              <a:t>10/09/2020</a:t>
             </a:fld>
             <a:endParaRPr lang="nl-BE"/>
           </a:p>
@@ -2736,7 +2736,7 @@
           <a:p>
             <a:fld id="{17F5268B-0249-48B6-B6C1-83E959E97E29}" type="datetime1">
               <a:rPr lang="nl-BE" smtClean="0"/>
-              <a:t>7/09/2020</a:t>
+              <a:t>10/09/2020</a:t>
             </a:fld>
             <a:endParaRPr lang="nl-BE"/>
           </a:p>
@@ -2881,7 +2881,7 @@
           <a:p>
             <a:fld id="{FD4BE25C-1822-4614-BEC9-42071B93E6CB}" type="datetime1">
               <a:rPr lang="nl-BE" smtClean="0"/>
-              <a:t>7/09/2020</a:t>
+              <a:t>10/09/2020</a:t>
             </a:fld>
             <a:endParaRPr lang="nl-BE"/>
           </a:p>
@@ -3120,7 +3120,7 @@
           <a:p>
             <a:fld id="{9CE750D7-3D6C-4530-9118-52489DAA20B7}" type="datetime1">
               <a:rPr lang="nl-BE" smtClean="0"/>
-              <a:t>7/09/2020</a:t>
+              <a:t>10/09/2020</a:t>
             </a:fld>
             <a:endParaRPr lang="nl-BE"/>
           </a:p>
@@ -3436,7 +3436,7 @@
           <a:p>
             <a:fld id="{67605FD1-ECD8-47B3-9649-4E1F5A5A8D14}" type="datetime1">
               <a:rPr lang="nl-BE" smtClean="0"/>
-              <a:t>7/09/2020</a:t>
+              <a:t>10/09/2020</a:t>
             </a:fld>
             <a:endParaRPr lang="nl-BE"/>
           </a:p>
@@ -3732,7 +3732,7 @@
           <a:p>
             <a:fld id="{C9D63BB2-9342-434C-81A2-72D5D01CCCA8}" type="datetime1">
               <a:rPr lang="nl-BE" smtClean="0"/>
-              <a:t>7/09/2020</a:t>
+              <a:t>10/09/2020</a:t>
             </a:fld>
             <a:endParaRPr lang="nl-BE"/>
           </a:p>
@@ -3978,7 +3978,7 @@
           <a:p>
             <a:fld id="{218DDDC0-3BD6-4ACD-BA7F-B5CDC612E27B}" type="datetime1">
               <a:rPr lang="nl-BE" smtClean="0"/>
-              <a:t>7/09/2020</a:t>
+              <a:t>10/09/2020</a:t>
             </a:fld>
             <a:endParaRPr lang="nl-BE"/>
           </a:p>
@@ -4520,37 +4520,8 @@
                   <a:srgbClr val="FFFFFF"/>
                 </a:solidFill>
               </a:rPr>
-              <a:t>5</a:t>
-            </a:r>
-            <a:r>
-              <a:rPr lang="nl-BE" sz="6600">
-                <a:solidFill>
-                  <a:srgbClr val="FFFFFF"/>
-                </a:solidFill>
-              </a:rPr>
-              <a:t>. </a:t>
-            </a:r>
-            <a:r>
-              <a:rPr lang="nl-BE" sz="6600" dirty="0">
-                <a:solidFill>
-                  <a:srgbClr val="FFFFFF"/>
-                </a:solidFill>
-              </a:rPr>
-              <a:t>Input verwerken met </a:t>
-            </a:r>
-            <a:r>
-              <a:rPr lang="nl-BE" sz="6600" dirty="0" err="1">
-                <a:solidFill>
-                  <a:srgbClr val="FFFFFF"/>
-                </a:solidFill>
-              </a:rPr>
-              <a:t>ReadLine</a:t>
-            </a:r>
-            <a:endParaRPr lang="nl-BE" sz="6600" dirty="0">
-              <a:solidFill>
-                <a:srgbClr val="FFFFFF"/>
-              </a:solidFill>
-            </a:endParaRPr>
+              <a:t>5. Fouten in je code oplossen</a:t>
+            </a:r>
           </a:p>
         </p:txBody>
       </p:sp>
